--- a/Trabajo/Presentación/Desarrollo de software basado en microservicios.pptx
+++ b/Trabajo/Presentación/Desarrollo de software basado en microservicios.pptx
@@ -1245,7 +1245,7 @@
       <dgm:spPr/>
     </dgm:pt>
     <dgm:pt modelId="{BC33C679-40DE-4C59-9A82-5CF2E09FD36B}" type="pres">
-      <dgm:prSet presAssocID="{EFF9A2E0-4A93-4DF5-A36A-BE76233DA384}" presName="rootText3" presStyleLbl="asst1" presStyleIdx="2" presStyleCnt="3">
+      <dgm:prSet presAssocID="{EFF9A2E0-4A93-4DF5-A36A-BE76233DA384}" presName="rootText3" presStyleLbl="asst1" presStyleIdx="2" presStyleCnt="3" custLinFactX="21586" custLinFactNeighborX="100000" custLinFactNeighborY="-6831">
         <dgm:presLayoutVars>
           <dgm:chPref val="3"/>
         </dgm:presLayoutVars>
@@ -1335,8 +1335,8 @@
       </dsp:nvSpPr>
       <dsp:spPr>
         <a:xfrm>
-          <a:off x="1976344" y="900763"/>
-          <a:ext cx="189005" cy="2106061"/>
+          <a:off x="2508371" y="1255349"/>
+          <a:ext cx="239446" cy="2577146"/>
         </a:xfrm>
         <a:custGeom>
           <a:avLst/>
@@ -1347,13 +1347,13 @@
           <a:pathLst>
             <a:path>
               <a:moveTo>
-                <a:pt x="189005" y="0"/>
+                <a:pt x="0" y="0"/>
               </a:moveTo>
               <a:lnTo>
-                <a:pt x="189005" y="2106061"/>
+                <a:pt x="0" y="2577146"/>
               </a:lnTo>
               <a:lnTo>
-                <a:pt x="0" y="2106061"/>
+                <a:pt x="239446" y="2577146"/>
               </a:lnTo>
             </a:path>
           </a:pathLst>
@@ -1393,8 +1393,8 @@
       </dsp:nvSpPr>
       <dsp:spPr>
         <a:xfrm>
-          <a:off x="2165350" y="900763"/>
-          <a:ext cx="189005" cy="828024"/>
+          <a:off x="2508371" y="1255349"/>
+          <a:ext cx="238237" cy="1043705"/>
         </a:xfrm>
         <a:custGeom>
           <a:avLst/>
@@ -1408,10 +1408,10 @@
                 <a:pt x="0" y="0"/>
               </a:moveTo>
               <a:lnTo>
-                <a:pt x="0" y="828024"/>
+                <a:pt x="0" y="1043705"/>
               </a:lnTo>
               <a:lnTo>
-                <a:pt x="189005" y="828024"/>
+                <a:pt x="238237" y="1043705"/>
               </a:lnTo>
             </a:path>
           </a:pathLst>
@@ -1451,8 +1451,8 @@
       </dsp:nvSpPr>
       <dsp:spPr>
         <a:xfrm>
-          <a:off x="1976344" y="900763"/>
-          <a:ext cx="189005" cy="828024"/>
+          <a:off x="2270133" y="1255349"/>
+          <a:ext cx="238237" cy="1043705"/>
         </a:xfrm>
         <a:custGeom>
           <a:avLst/>
@@ -1463,13 +1463,13 @@
           <a:pathLst>
             <a:path>
               <a:moveTo>
-                <a:pt x="189005" y="0"/>
+                <a:pt x="238237" y="0"/>
               </a:moveTo>
               <a:lnTo>
-                <a:pt x="189005" y="828024"/>
+                <a:pt x="238237" y="1043705"/>
               </a:lnTo>
               <a:lnTo>
-                <a:pt x="0" y="828024"/>
+                <a:pt x="0" y="1043705"/>
               </a:lnTo>
             </a:path>
           </a:pathLst>
@@ -1509,8 +1509,8 @@
       </dsp:nvSpPr>
       <dsp:spPr>
         <a:xfrm>
-          <a:off x="1265323" y="736"/>
-          <a:ext cx="1800052" cy="900026"/>
+          <a:off x="1373908" y="120887"/>
+          <a:ext cx="2268924" cy="1134462"/>
         </a:xfrm>
         <a:prstGeom prst="rect">
           <a:avLst/>
@@ -1548,12 +1548,12 @@
         </a:fontRef>
       </dsp:style>
       <dsp:txBody>
-        <a:bodyPr spcFirstLastPara="0" vert="horz" wrap="square" lIns="14605" tIns="14605" rIns="14605" bIns="14605" numCol="1" spcCol="1270" anchor="ctr" anchorCtr="0">
+        <a:bodyPr spcFirstLastPara="0" vert="horz" wrap="square" lIns="18415" tIns="18415" rIns="18415" bIns="18415" numCol="1" spcCol="1270" anchor="ctr" anchorCtr="0">
           <a:noAutofit/>
         </a:bodyPr>
         <a:lstStyle/>
         <a:p>
-          <a:pPr marL="0" lvl="0" indent="0" algn="ctr" defTabSz="1022350">
+          <a:pPr marL="0" lvl="0" indent="0" algn="ctr" defTabSz="1289050">
             <a:lnSpc>
               <a:spcPct val="90000"/>
             </a:lnSpc>
@@ -1566,14 +1566,14 @@
             <a:buNone/>
           </a:pPr>
           <a:r>
-            <a:rPr lang="es-ES" sz="2300" kern="1200"/>
+            <a:rPr lang="es-ES" sz="2900" kern="1200"/>
             <a:t>Microservicios</a:t>
           </a:r>
         </a:p>
       </dsp:txBody>
       <dsp:txXfrm>
-        <a:off x="1265323" y="736"/>
-        <a:ext cx="1800052" cy="900026"/>
+        <a:off x="1373908" y="120887"/>
+        <a:ext cx="2268924" cy="1134462"/>
       </dsp:txXfrm>
     </dsp:sp>
     <dsp:sp modelId="{073E0A09-4845-4E74-905C-33E831553C7C}">
@@ -1583,8 +1583,8 @@
       </dsp:nvSpPr>
       <dsp:spPr>
         <a:xfrm>
-          <a:off x="176291" y="1278774"/>
-          <a:ext cx="1800052" cy="900026"/>
+          <a:off x="1209" y="1731823"/>
+          <a:ext cx="2268924" cy="1134462"/>
         </a:xfrm>
         <a:prstGeom prst="rect">
           <a:avLst/>
@@ -1622,12 +1622,12 @@
         </a:fontRef>
       </dsp:style>
       <dsp:txBody>
-        <a:bodyPr spcFirstLastPara="0" vert="horz" wrap="square" lIns="14605" tIns="14605" rIns="14605" bIns="14605" numCol="1" spcCol="1270" anchor="ctr" anchorCtr="0">
+        <a:bodyPr spcFirstLastPara="0" vert="horz" wrap="square" lIns="18415" tIns="18415" rIns="18415" bIns="18415" numCol="1" spcCol="1270" anchor="ctr" anchorCtr="0">
           <a:noAutofit/>
         </a:bodyPr>
         <a:lstStyle/>
         <a:p>
-          <a:pPr marL="0" lvl="0" indent="0" algn="ctr" defTabSz="1022350">
+          <a:pPr marL="0" lvl="0" indent="0" algn="ctr" defTabSz="1289050">
             <a:lnSpc>
               <a:spcPct val="90000"/>
             </a:lnSpc>
@@ -1640,14 +1640,14 @@
             <a:buNone/>
           </a:pPr>
           <a:r>
-            <a:rPr lang="es-ES" sz="2300" kern="1200"/>
+            <a:rPr lang="es-ES" sz="2900" kern="1200"/>
             <a:t>Servicios</a:t>
           </a:r>
         </a:p>
       </dsp:txBody>
       <dsp:txXfrm>
-        <a:off x="176291" y="1278774"/>
-        <a:ext cx="1800052" cy="900026"/>
+        <a:off x="1209" y="1731823"/>
+        <a:ext cx="2268924" cy="1134462"/>
       </dsp:txXfrm>
     </dsp:sp>
     <dsp:sp modelId="{289E04FC-3E94-4E33-B5E1-F9CB9D70F3B1}">
@@ -1657,8 +1657,8 @@
       </dsp:nvSpPr>
       <dsp:spPr>
         <a:xfrm>
-          <a:off x="2354355" y="1278774"/>
-          <a:ext cx="1800052" cy="900026"/>
+          <a:off x="2746608" y="1731823"/>
+          <a:ext cx="2268924" cy="1134462"/>
         </a:xfrm>
         <a:prstGeom prst="rect">
           <a:avLst/>
@@ -1696,12 +1696,12 @@
         </a:fontRef>
       </dsp:style>
       <dsp:txBody>
-        <a:bodyPr spcFirstLastPara="0" vert="horz" wrap="square" lIns="14605" tIns="14605" rIns="14605" bIns="14605" numCol="1" spcCol="1270" anchor="ctr" anchorCtr="0">
+        <a:bodyPr spcFirstLastPara="0" vert="horz" wrap="square" lIns="18415" tIns="18415" rIns="18415" bIns="18415" numCol="1" spcCol="1270" anchor="ctr" anchorCtr="0">
           <a:noAutofit/>
         </a:bodyPr>
         <a:lstStyle/>
         <a:p>
-          <a:pPr marL="0" lvl="0" indent="0" algn="ctr" defTabSz="1022350">
+          <a:pPr marL="0" lvl="0" indent="0" algn="ctr" defTabSz="1289050">
             <a:lnSpc>
               <a:spcPct val="90000"/>
             </a:lnSpc>
@@ -1714,14 +1714,14 @@
             <a:buNone/>
           </a:pPr>
           <a:r>
-            <a:rPr lang="es-ES" sz="2300" kern="1200"/>
+            <a:rPr lang="es-ES" sz="2900" kern="1200"/>
             <a:t>Pequeños</a:t>
           </a:r>
         </a:p>
       </dsp:txBody>
       <dsp:txXfrm>
-        <a:off x="2354355" y="1278774"/>
-        <a:ext cx="1800052" cy="900026"/>
+        <a:off x="2746608" y="1731823"/>
+        <a:ext cx="2268924" cy="1134462"/>
       </dsp:txXfrm>
     </dsp:sp>
     <dsp:sp modelId="{BC33C679-40DE-4C59-9A82-5CF2E09FD36B}">
@@ -1731,8 +1731,8 @@
       </dsp:nvSpPr>
       <dsp:spPr>
         <a:xfrm>
-          <a:off x="176291" y="2556811"/>
-          <a:ext cx="1800052" cy="900026"/>
+          <a:off x="2747817" y="3265265"/>
+          <a:ext cx="2268924" cy="1134462"/>
         </a:xfrm>
         <a:prstGeom prst="rect">
           <a:avLst/>
@@ -1770,12 +1770,12 @@
         </a:fontRef>
       </dsp:style>
       <dsp:txBody>
-        <a:bodyPr spcFirstLastPara="0" vert="horz" wrap="square" lIns="14605" tIns="14605" rIns="14605" bIns="14605" numCol="1" spcCol="1270" anchor="ctr" anchorCtr="0">
+        <a:bodyPr spcFirstLastPara="0" vert="horz" wrap="square" lIns="18415" tIns="18415" rIns="18415" bIns="18415" numCol="1" spcCol="1270" anchor="ctr" anchorCtr="0">
           <a:noAutofit/>
         </a:bodyPr>
         <a:lstStyle/>
         <a:p>
-          <a:pPr marL="0" lvl="0" indent="0" algn="ctr" defTabSz="1022350">
+          <a:pPr marL="0" lvl="0" indent="0" algn="ctr" defTabSz="1289050">
             <a:lnSpc>
               <a:spcPct val="90000"/>
             </a:lnSpc>
@@ -1788,14 +1788,14 @@
             <a:buNone/>
           </a:pPr>
           <a:r>
-            <a:rPr lang="es-ES" sz="2300" kern="1200"/>
+            <a:rPr lang="es-ES" sz="2900" kern="1200"/>
             <a:t>Autónomos</a:t>
           </a:r>
         </a:p>
       </dsp:txBody>
       <dsp:txXfrm>
-        <a:off x="176291" y="2556811"/>
-        <a:ext cx="1800052" cy="900026"/>
+        <a:off x="2747817" y="3265265"/>
+        <a:ext cx="2268924" cy="1134462"/>
       </dsp:txXfrm>
     </dsp:sp>
   </dsp:spTree>
@@ -4155,7 +4155,7 @@
           <a:p>
             <a:fld id="{CFD3D9E8-AEA8-4266-B9F7-F80F9467AD05}" type="datetimeFigureOut">
               <a:rPr lang="es-ES" smtClean="0"/>
-              <a:t>07/09/2018</a:t>
+              <a:t>08/09/2018</a:t>
             </a:fld>
             <a:endParaRPr lang="es-ES"/>
           </a:p>
@@ -4353,7 +4353,7 @@
           <a:p>
             <a:fld id="{CFD3D9E8-AEA8-4266-B9F7-F80F9467AD05}" type="datetimeFigureOut">
               <a:rPr lang="es-ES" smtClean="0"/>
-              <a:t>07/09/2018</a:t>
+              <a:t>08/09/2018</a:t>
             </a:fld>
             <a:endParaRPr lang="es-ES"/>
           </a:p>
@@ -4561,7 +4561,7 @@
           <a:p>
             <a:fld id="{CFD3D9E8-AEA8-4266-B9F7-F80F9467AD05}" type="datetimeFigureOut">
               <a:rPr lang="es-ES" smtClean="0"/>
-              <a:t>07/09/2018</a:t>
+              <a:t>08/09/2018</a:t>
             </a:fld>
             <a:endParaRPr lang="es-ES"/>
           </a:p>
@@ -4759,7 +4759,7 @@
           <a:p>
             <a:fld id="{CFD3D9E8-AEA8-4266-B9F7-F80F9467AD05}" type="datetimeFigureOut">
               <a:rPr lang="es-ES" smtClean="0"/>
-              <a:t>07/09/2018</a:t>
+              <a:t>08/09/2018</a:t>
             </a:fld>
             <a:endParaRPr lang="es-ES"/>
           </a:p>
@@ -5034,7 +5034,7 @@
           <a:p>
             <a:fld id="{CFD3D9E8-AEA8-4266-B9F7-F80F9467AD05}" type="datetimeFigureOut">
               <a:rPr lang="es-ES" smtClean="0"/>
-              <a:t>07/09/2018</a:t>
+              <a:t>08/09/2018</a:t>
             </a:fld>
             <a:endParaRPr lang="es-ES"/>
           </a:p>
@@ -5299,7 +5299,7 @@
           <a:p>
             <a:fld id="{CFD3D9E8-AEA8-4266-B9F7-F80F9467AD05}" type="datetimeFigureOut">
               <a:rPr lang="es-ES" smtClean="0"/>
-              <a:t>07/09/2018</a:t>
+              <a:t>08/09/2018</a:t>
             </a:fld>
             <a:endParaRPr lang="es-ES"/>
           </a:p>
@@ -5711,7 +5711,7 @@
           <a:p>
             <a:fld id="{CFD3D9E8-AEA8-4266-B9F7-F80F9467AD05}" type="datetimeFigureOut">
               <a:rPr lang="es-ES" smtClean="0"/>
-              <a:t>07/09/2018</a:t>
+              <a:t>08/09/2018</a:t>
             </a:fld>
             <a:endParaRPr lang="es-ES"/>
           </a:p>
@@ -5852,7 +5852,7 @@
           <a:p>
             <a:fld id="{CFD3D9E8-AEA8-4266-B9F7-F80F9467AD05}" type="datetimeFigureOut">
               <a:rPr lang="es-ES" smtClean="0"/>
-              <a:t>07/09/2018</a:t>
+              <a:t>08/09/2018</a:t>
             </a:fld>
             <a:endParaRPr lang="es-ES"/>
           </a:p>
@@ -5965,7 +5965,7 @@
           <a:p>
             <a:fld id="{CFD3D9E8-AEA8-4266-B9F7-F80F9467AD05}" type="datetimeFigureOut">
               <a:rPr lang="es-ES" smtClean="0"/>
-              <a:t>07/09/2018</a:t>
+              <a:t>08/09/2018</a:t>
             </a:fld>
             <a:endParaRPr lang="es-ES"/>
           </a:p>
@@ -6276,7 +6276,7 @@
           <a:p>
             <a:fld id="{CFD3D9E8-AEA8-4266-B9F7-F80F9467AD05}" type="datetimeFigureOut">
               <a:rPr lang="es-ES" smtClean="0"/>
-              <a:t>07/09/2018</a:t>
+              <a:t>08/09/2018</a:t>
             </a:fld>
             <a:endParaRPr lang="es-ES"/>
           </a:p>
@@ -6564,7 +6564,7 @@
           <a:p>
             <a:fld id="{CFD3D9E8-AEA8-4266-B9F7-F80F9467AD05}" type="datetimeFigureOut">
               <a:rPr lang="es-ES" smtClean="0"/>
-              <a:t>07/09/2018</a:t>
+              <a:t>08/09/2018</a:t>
             </a:fld>
             <a:endParaRPr lang="es-ES"/>
           </a:p>
@@ -6805,7 +6805,7 @@
           <a:p>
             <a:fld id="{CFD3D9E8-AEA8-4266-B9F7-F80F9467AD05}" type="datetimeFigureOut">
               <a:rPr lang="es-ES" smtClean="0"/>
-              <a:t>07/09/2018</a:t>
+              <a:t>08/09/2018</a:t>
             </a:fld>
             <a:endParaRPr lang="es-ES"/>
           </a:p>
@@ -7569,7 +7569,7 @@
         </p:spPr>
         <p:txBody>
           <a:bodyPr>
-            <a:normAutofit fontScale="92500"/>
+            <a:normAutofit/>
           </a:bodyPr>
           <a:lstStyle/>
           <a:p>
@@ -7624,33 +7624,6 @@
               </a:rPr>
               <a:t>Basada en eventos</a:t>
             </a:r>
-          </a:p>
-          <a:p>
-            <a:pPr marL="457200" lvl="1" indent="0">
-              <a:buNone/>
-            </a:pPr>
-            <a:endParaRPr lang="es-ES" sz="2600" dirty="0">
-              <a:solidFill>
-                <a:schemeClr val="bg1"/>
-              </a:solidFill>
-            </a:endParaRPr>
-          </a:p>
-          <a:p>
-            <a:r>
-              <a:rPr lang="es-ES" sz="2600" dirty="0">
-                <a:solidFill>
-                  <a:schemeClr val="bg1"/>
-                </a:solidFill>
-              </a:rPr>
-              <a:t>Equipos multifuncionales y autogestionados.</a:t>
-            </a:r>
-          </a:p>
-          <a:p>
-            <a:endParaRPr lang="es-ES" sz="1600" dirty="0">
-              <a:solidFill>
-                <a:schemeClr val="bg1"/>
-              </a:solidFill>
-            </a:endParaRPr>
           </a:p>
         </p:txBody>
       </p:sp>
@@ -11149,14 +11122,14 @@
             <a:pPr lvl="1"/>
             <a:r>
               <a:rPr lang="es-ES" dirty="0"/>
-              <a:t>Realizar pedidos.</a:t>
+              <a:t>Realizar pedidos</a:t>
             </a:r>
           </a:p>
           <a:p>
             <a:pPr lvl="1"/>
             <a:r>
               <a:rPr lang="es-ES" dirty="0"/>
-              <a:t>Ver factura de un pedido.</a:t>
+              <a:t>Ver factura de un pedido</a:t>
             </a:r>
           </a:p>
           <a:p>
@@ -18722,7 +18695,7 @@
           <a:p>
             <a:r>
               <a:rPr lang="es-ES" sz="2400" dirty="0"/>
-              <a:t>Conocer la realidad de las arquitecturas basadas en microservicios</a:t>
+              <a:t>Presentar la realidad de las arquitecturas basadas en microservicios</a:t>
             </a:r>
           </a:p>
         </p:txBody>
@@ -19309,7 +19282,15 @@
             </a:pPr>
             <a:r>
               <a:rPr lang="es-ES" sz="2400" dirty="0"/>
-              <a:t> Desarrollo más desafiante en las actividades de implementación, construcción y pruebas en una solución basada en </a:t>
+              <a:t> Desarrollo más desafiante en las actividades de implementación</a:t>
+            </a:r>
+            <a:r>
+              <a:rPr lang="es-ES" sz="2400"/>
+              <a:t>, despliegue </a:t>
+            </a:r>
+            <a:r>
+              <a:rPr lang="es-ES" sz="2400" dirty="0"/>
+              <a:t>y pruebas en una solución basada en </a:t>
             </a:r>
             <a:r>
               <a:rPr lang="es-ES" sz="2400" b="1" dirty="0"/>
@@ -20204,14 +20185,14 @@
             <p:ph sz="half" idx="2"/>
             <p:extLst>
               <p:ext uri="{D42A27DB-BD31-4B8C-83A1-F6EECF244321}">
-                <p14:modId xmlns:p14="http://schemas.microsoft.com/office/powerpoint/2010/main" val="1687758595"/>
+                <p14:modId xmlns:p14="http://schemas.microsoft.com/office/powerpoint/2010/main" val="3377065966"/>
               </p:ext>
             </p:extLst>
           </p:nvPr>
         </p:nvGraphicFramePr>
         <p:xfrm>
           <a:off x="584200" y="1608138"/>
-          <a:ext cx="4330700" cy="3457575"/>
+          <a:ext cx="5016742" cy="4598110"/>
         </p:xfrm>
         <a:graphic>
           <a:graphicData uri="http://schemas.openxmlformats.org/drawingml/2006/diagram">
@@ -20233,8 +20214,8 @@
         </p:nvSpPr>
         <p:spPr>
           <a:xfrm>
-            <a:off x="610488" y="5249862"/>
-            <a:ext cx="4278123" cy="1325563"/>
+            <a:off x="6096000" y="1859796"/>
+            <a:ext cx="5713709" cy="1296591"/>
           </a:xfrm>
           <a:prstGeom prst="irregularSeal1">
             <a:avLst/>
@@ -20269,44 +20250,6 @@
           </a:p>
         </p:txBody>
       </p:sp>
-      <p:pic>
-        <p:nvPicPr>
-          <p:cNvPr id="33" name="Marcador de contenido 14">
-            <a:extLst>
-              <a:ext uri="{FF2B5EF4-FFF2-40B4-BE49-F238E27FC236}">
-                <a16:creationId xmlns:a16="http://schemas.microsoft.com/office/drawing/2014/main" id="{CFEFF951-018E-4F2B-8AE1-ED12279EBB61}"/>
-              </a:ext>
-            </a:extLst>
-          </p:cNvPr>
-          <p:cNvPicPr>
-            <a:picLocks noGrp="1" noChangeAspect="1"/>
-          </p:cNvPicPr>
-          <p:nvPr>
-            <p:ph idx="1"/>
-          </p:nvPr>
-        </p:nvPicPr>
-        <p:blipFill>
-          <a:blip r:embed="rId7">
-            <a:extLst>
-              <a:ext uri="{28A0092B-C50C-407E-A947-70E740481C1C}">
-                <a14:useLocalDpi xmlns:a14="http://schemas.microsoft.com/office/drawing/2010/main" val="0"/>
-              </a:ext>
-            </a:extLst>
-          </a:blip>
-          <a:stretch>
-            <a:fillRect/>
-          </a:stretch>
-        </p:blipFill>
-        <p:spPr>
-          <a:xfrm>
-            <a:off x="5270500" y="1810494"/>
-            <a:ext cx="6804857" cy="4395754"/>
-          </a:xfrm>
-          <a:prstGeom prst="rect">
-            <a:avLst/>
-          </a:prstGeom>
-        </p:spPr>
-      </p:pic>
     </p:spTree>
     <p:extLst>
       <p:ext uri="{BB962C8B-B14F-4D97-AF65-F5344CB8AC3E}">
@@ -22000,29 +21943,6 @@
               </a:rPr>
               <a:t>Lenguaje ubicuo</a:t>
             </a:r>
-          </a:p>
-          <a:p>
-            <a:pPr marL="457200" lvl="1" indent="0">
-              <a:buNone/>
-            </a:pPr>
-            <a:endParaRPr lang="es-ES" dirty="0">
-              <a:solidFill>
-                <a:schemeClr val="bg1"/>
-              </a:solidFill>
-            </a:endParaRPr>
-          </a:p>
-          <a:p>
-            <a:r>
-              <a:rPr lang="es-ES" sz="2400" dirty="0">
-                <a:solidFill>
-                  <a:schemeClr val="bg1"/>
-                </a:solidFill>
-              </a:rPr>
-              <a:t>Comenzar diseñando servicios grandes e ir extrayendo iterativamente microservicios.</a:t>
-            </a:r>
-          </a:p>
-          <a:p>
-            <a:endParaRPr lang="es-ES" sz="2000" dirty="0"/>
           </a:p>
         </p:txBody>
       </p:sp>

--- a/Trabajo/Presentación/Desarrollo de software basado en microservicios.pptx
+++ b/Trabajo/Presentación/Desarrollo de software basado en microservicios.pptx
@@ -8012,8 +8012,8 @@
         </p:nvSpPr>
         <p:spPr>
           <a:xfrm>
-            <a:off x="643467" y="2587244"/>
-            <a:ext cx="3522132" cy="3419856"/>
+            <a:off x="419100" y="2587244"/>
+            <a:ext cx="3746499" cy="3419856"/>
           </a:xfrm>
         </p:spPr>
         <p:txBody>
@@ -8028,15 +8028,20 @@
                   <a:schemeClr val="bg1"/>
                 </a:solidFill>
               </a:rPr>
-              <a:t>Máquinas virtuales</a:t>
-            </a:r>
+              <a:t>Máquinas virtuales:</a:t>
+            </a:r>
+          </a:p>
+          <a:p>
+            <a:pPr marL="0" indent="0">
+              <a:buNone/>
+            </a:pPr>
             <a:r>
               <a:rPr lang="es-ES" sz="2400" dirty="0">
                 <a:solidFill>
                   <a:schemeClr val="bg1"/>
                 </a:solidFill>
               </a:rPr>
-              <a:t>: mayor tiempo de despliegue y consumo de recursos.</a:t>
+              <a:t>Mayor tiempo de despliegue y consumo de recursos.</a:t>
             </a:r>
           </a:p>
           <a:p>
@@ -8061,7 +8066,20 @@
                   <a:schemeClr val="bg1"/>
                 </a:solidFill>
               </a:rPr>
-              <a:t>: más ligeros pero menor grado de aislamiento.</a:t>
+              <a:t>: </a:t>
+            </a:r>
+          </a:p>
+          <a:p>
+            <a:pPr marL="0" indent="0">
+              <a:buNone/>
+            </a:pPr>
+            <a:r>
+              <a:rPr lang="es-ES" sz="2400" dirty="0">
+                <a:solidFill>
+                  <a:schemeClr val="bg1"/>
+                </a:solidFill>
+              </a:rPr>
+              <a:t>Más ligeros pero menor grado de aislamiento.</a:t>
             </a:r>
           </a:p>
         </p:txBody>
@@ -8111,45 +8129,6 @@
           </a:prstGeom>
         </p:spPr>
       </p:pic>
-      <p:cxnSp>
-        <p:nvCxnSpPr>
-          <p:cNvPr id="6" name="Conector recto de flecha 5">
-            <a:extLst>
-              <a:ext uri="{FF2B5EF4-FFF2-40B4-BE49-F238E27FC236}">
-                <a16:creationId xmlns:a16="http://schemas.microsoft.com/office/drawing/2014/main" id="{2EC7083E-A3D6-452B-A3C8-0A6B5B5356F2}"/>
-              </a:ext>
-            </a:extLst>
-          </p:cNvPr>
-          <p:cNvCxnSpPr/>
-          <p:nvPr/>
-        </p:nvCxnSpPr>
-        <p:spPr>
-          <a:xfrm flipH="1">
-            <a:off x="8928100" y="4838700"/>
-            <a:ext cx="165100" cy="0"/>
-          </a:xfrm>
-          <a:prstGeom prst="straightConnector1">
-            <a:avLst/>
-          </a:prstGeom>
-          <a:ln>
-            <a:tailEnd type="triangle"/>
-          </a:ln>
-        </p:spPr>
-        <p:style>
-          <a:lnRef idx="1">
-            <a:schemeClr val="accent1"/>
-          </a:lnRef>
-          <a:fillRef idx="0">
-            <a:schemeClr val="accent1"/>
-          </a:fillRef>
-          <a:effectRef idx="0">
-            <a:schemeClr val="accent1"/>
-          </a:effectRef>
-          <a:fontRef idx="minor">
-            <a:schemeClr val="tx1"/>
-          </a:fontRef>
-        </p:style>
-      </p:cxnSp>
     </p:spTree>
     <p:extLst>
       <p:ext uri="{BB962C8B-B14F-4D97-AF65-F5344CB8AC3E}">
@@ -8293,7 +8272,7 @@
             </a:r>
             <a:r>
               <a:rPr lang="es-ES" sz="2400" b="1" i="1" dirty="0"/>
-              <a:t>”</a:t>
+              <a:t>” - Amazon</a:t>
             </a:r>
           </a:p>
           <a:p>
@@ -9399,7 +9378,7 @@
         </p:blipFill>
         <p:spPr>
           <a:xfrm>
-            <a:off x="9082576" y="2748705"/>
+            <a:off x="9292437" y="2748704"/>
             <a:ext cx="1592886" cy="1360590"/>
           </a:xfrm>
           <a:prstGeom prst="rect">
